--- a/Tutorials/Github Windows Tutorial v.3/GitHub.pptx
+++ b/Tutorials/Github Windows Tutorial v.3/GitHub.pptx
@@ -400,7 +400,7 @@
           <a:p>
             <a:fld id="{F0F3B080-6DA5-4363-9404-314FEA13FA5E}" type="datetimeFigureOut">
               <a:rPr lang="el-GR" smtClean="0"/>
-              <a:t>2/11/2018</a:t>
+              <a:t>20/11/2018</a:t>
             </a:fld>
             <a:endParaRPr lang="el-GR"/>
           </a:p>
@@ -577,7 +577,7 @@
           <a:p>
             <a:fld id="{97B08A02-CD8E-4FA2-9856-4D53AC8D5D14}" type="datetimeFigureOut">
               <a:rPr lang="el-GR" smtClean="0"/>
-              <a:t>2/11/2018</a:t>
+              <a:t>20/11/2018</a:t>
             </a:fld>
             <a:endParaRPr lang="el-GR"/>
           </a:p>
@@ -1032,7 +1032,7 @@
           <a:p>
             <a:fld id="{33873140-F349-4186-9F76-16ADD61A453D}" type="datetime1">
               <a:rPr lang="el-GR" smtClean="0"/>
-              <a:t>2/11/2018</a:t>
+              <a:t>20/11/2018</a:t>
             </a:fld>
             <a:endParaRPr lang="el-GR"/>
           </a:p>
@@ -1370,7 +1370,7 @@
           <a:p>
             <a:fld id="{7F7B0269-7DB0-47E8-82F0-CF3F25EDDB68}" type="datetime1">
               <a:rPr lang="el-GR" smtClean="0"/>
-              <a:t>2/11/2018</a:t>
+              <a:t>20/11/2018</a:t>
             </a:fld>
             <a:endParaRPr lang="el-GR"/>
           </a:p>
@@ -1771,7 +1771,7 @@
           <a:p>
             <a:fld id="{C02DF32E-BEF5-44F6-84CA-8B10E755762B}" type="datetime1">
               <a:rPr lang="el-GR" smtClean="0"/>
-              <a:t>2/11/2018</a:t>
+              <a:t>20/11/2018</a:t>
             </a:fld>
             <a:endParaRPr lang="el-GR"/>
           </a:p>
@@ -2107,7 +2107,7 @@
           <a:p>
             <a:fld id="{54357180-EE53-4E67-BD07-DF1AD3C0272E}" type="datetime1">
               <a:rPr lang="el-GR" smtClean="0"/>
-              <a:t>2/11/2018</a:t>
+              <a:t>20/11/2018</a:t>
             </a:fld>
             <a:endParaRPr lang="el-GR"/>
           </a:p>
@@ -2427,7 +2427,7 @@
           <a:p>
             <a:fld id="{C2854764-A585-4CA9-8FE8-DBB79BC06D9C}" type="datetime1">
               <a:rPr lang="el-GR" smtClean="0"/>
-              <a:t>2/11/2018</a:t>
+              <a:t>20/11/2018</a:t>
             </a:fld>
             <a:endParaRPr lang="el-GR"/>
           </a:p>
@@ -2823,7 +2823,7 @@
           <a:p>
             <a:fld id="{3DBA5BA4-4CC2-4ABA-8FE9-82D2589FDFBD}" type="datetime1">
               <a:rPr lang="el-GR" smtClean="0"/>
-              <a:t>2/11/2018</a:t>
+              <a:t>20/11/2018</a:t>
             </a:fld>
             <a:endParaRPr lang="el-GR"/>
           </a:p>
@@ -3080,7 +3080,7 @@
           <a:p>
             <a:fld id="{591B65D7-7B5C-4C11-8CA8-EB700DAB2997}" type="datetime1">
               <a:rPr lang="el-GR" smtClean="0"/>
-              <a:t>2/11/2018</a:t>
+              <a:t>20/11/2018</a:t>
             </a:fld>
             <a:endParaRPr lang="el-GR"/>
           </a:p>
@@ -3342,7 +3342,7 @@
           <a:p>
             <a:fld id="{123D8416-A185-4FCB-B162-9A1497C88561}" type="datetime1">
               <a:rPr lang="el-GR" smtClean="0"/>
-              <a:t>2/11/2018</a:t>
+              <a:t>20/11/2018</a:t>
             </a:fld>
             <a:endParaRPr lang="el-GR"/>
           </a:p>
@@ -3604,7 +3604,7 @@
           <a:p>
             <a:fld id="{13509E2E-EE37-44B8-92F6-46FD8FE34206}" type="datetime1">
               <a:rPr lang="el-GR" smtClean="0"/>
-              <a:t>2/11/2018</a:t>
+              <a:t>20/11/2018</a:t>
             </a:fld>
             <a:endParaRPr lang="el-GR"/>
           </a:p>
@@ -3933,7 +3933,7 @@
           <a:p>
             <a:fld id="{CAEACA59-B27E-4E9C-9E48-2D491A3518BA}" type="datetime1">
               <a:rPr lang="el-GR" smtClean="0"/>
-              <a:t>2/11/2018</a:t>
+              <a:t>20/11/2018</a:t>
             </a:fld>
             <a:endParaRPr lang="el-GR"/>
           </a:p>
@@ -4256,7 +4256,7 @@
           <a:p>
             <a:fld id="{E5710F61-951B-4685-865E-5F32218630C8}" type="datetime1">
               <a:rPr lang="el-GR" smtClean="0"/>
-              <a:t>2/11/2018</a:t>
+              <a:t>20/11/2018</a:t>
             </a:fld>
             <a:endParaRPr lang="el-GR"/>
           </a:p>
@@ -4713,7 +4713,7 @@
           <a:p>
             <a:fld id="{5ADB8C96-ADA2-4E07-AEA6-3C27A24153F9}" type="datetime1">
               <a:rPr lang="el-GR" smtClean="0"/>
-              <a:t>2/11/2018</a:t>
+              <a:t>20/11/2018</a:t>
             </a:fld>
             <a:endParaRPr lang="el-GR"/>
           </a:p>
@@ -4918,7 +4918,7 @@
           <a:p>
             <a:fld id="{02A21FF4-0808-408A-985D-F3C2D8D82956}" type="datetime1">
               <a:rPr lang="el-GR" smtClean="0"/>
-              <a:t>2/11/2018</a:t>
+              <a:t>20/11/2018</a:t>
             </a:fld>
             <a:endParaRPr lang="el-GR"/>
           </a:p>
@@ -5095,7 +5095,7 @@
           <a:p>
             <a:fld id="{E7F48063-A584-43E9-9571-179C4B2B0952}" type="datetime1">
               <a:rPr lang="el-GR" smtClean="0"/>
-              <a:t>2/11/2018</a:t>
+              <a:t>20/11/2018</a:t>
             </a:fld>
             <a:endParaRPr lang="el-GR"/>
           </a:p>
@@ -5428,7 +5428,7 @@
           <a:p>
             <a:fld id="{F0936095-77D9-411D-96B1-E08429AF4383}" type="datetime1">
               <a:rPr lang="el-GR" smtClean="0"/>
-              <a:t>2/11/2018</a:t>
+              <a:t>20/11/2018</a:t>
             </a:fld>
             <a:endParaRPr lang="el-GR"/>
           </a:p>
@@ -5773,7 +5773,7 @@
           <a:p>
             <a:fld id="{ADDB0394-6557-4366-97B9-665E4A50F2DA}" type="datetime1">
               <a:rPr lang="el-GR" smtClean="0"/>
-              <a:t>2/11/2018</a:t>
+              <a:t>20/11/2018</a:t>
             </a:fld>
             <a:endParaRPr lang="el-GR"/>
           </a:p>
@@ -7890,7 +7890,7 @@
           <a:p>
             <a:fld id="{BED38BFF-B272-4F4D-AAEE-093F121C06E7}" type="datetime1">
               <a:rPr lang="el-GR" smtClean="0"/>
-              <a:t>2/11/2018</a:t>
+              <a:t>20/11/2018</a:t>
             </a:fld>
             <a:endParaRPr lang="el-GR"/>
           </a:p>
@@ -8456,7 +8456,9 @@
         </p:nvSpPr>
         <p:spPr/>
         <p:txBody>
-          <a:bodyPr/>
+          <a:bodyPr>
+            <a:normAutofit lnSpcReduction="10000"/>
+          </a:bodyPr>
           <a:lstStyle/>
           <a:p>
             <a:r>
@@ -8474,6 +8476,20 @@
             <a:r>
               <a:rPr lang="en-US" dirty="0"/>
               <a:t>Windows</a:t>
+            </a:r>
+            <a:endParaRPr lang="el-GR" dirty="0"/>
+          </a:p>
+          <a:p>
+            <a:endParaRPr lang="el-GR" dirty="0"/>
+          </a:p>
+          <a:p>
+            <a:r>
+              <a:rPr lang="el-GR" dirty="0"/>
+              <a:t>Δημιουργός: Άρης </a:t>
+            </a:r>
+            <a:r>
+              <a:rPr lang="el-GR" dirty="0" err="1"/>
+              <a:t>Καράμπελας-Τιμοτίεβιτς</a:t>
             </a:r>
             <a:endParaRPr lang="el-GR" dirty="0"/>
           </a:p>
